--- a/Livrables/LwIP pour TIVA-C.pptx
+++ b/Livrables/LwIP pour TIVA-C.pptx
@@ -5,7 +5,7 @@
     <p:sldMasterId id="2147483648" r:id="rId1"/>
   </p:sldMasterIdLst>
   <p:notesMasterIdLst>
-    <p:notesMasterId r:id="rId8"/>
+    <p:notesMasterId r:id="rId9"/>
   </p:notesMasterIdLst>
   <p:sldIdLst>
     <p:sldId id="256" r:id="rId2"/>
@@ -14,6 +14,7 @@
     <p:sldId id="260" r:id="rId5"/>
     <p:sldId id="259" r:id="rId6"/>
     <p:sldId id="261" r:id="rId7"/>
+    <p:sldId id="262" r:id="rId8"/>
   </p:sldIdLst>
   <p:sldSz cx="12192000" cy="6858000"/>
   <p:notesSz cx="6858000" cy="9144000"/>
@@ -112,6 +113,14 @@
       </a:defRPr>
     </a:lvl9pPr>
   </p:defaultTextStyle>
+  <p:extLst>
+    <p:ext uri="{EFAFB233-063F-42B5-8137-9DF3F51BA10A}">
+      <p15:sldGuideLst xmlns:p15="http://schemas.microsoft.com/office/powerpoint/2012/main"/>
+    </p:ext>
+    <p:ext uri="{2D200454-40CA-4A62-9FC3-DE9A4176ACB9}">
+      <p15:notesGuideLst xmlns:p15="http://schemas.microsoft.com/office/powerpoint/2012/main"/>
+    </p:ext>
+  </p:extLst>
 </p:presentation>
 </file>
 
@@ -125,6 +134,10 @@
     </p:extLst>
   </p:cmAuthor>
 </p:cmAuthorLst>
+</file>
+
+<file path=ppt/revisionInfo.xml><?xml version="1.0" encoding="utf-8"?>
+<p1510:revInfo xmlns:a="http://schemas.openxmlformats.org/drawingml/2006/main" xmlns:r="http://schemas.openxmlformats.org/officeDocument/2006/relationships" xmlns:p1510="http://schemas.microsoft.com/office/powerpoint/2015/10/main"/>
 </file>
 
 <file path=ppt/notesMasters/notesMaster1.xml><?xml version="1.0" encoding="utf-8"?>
@@ -209,7 +222,7 @@
           <a:p>
             <a:fld id="{4AC7219B-832A-437B-90F3-FD50716ECD38}" type="datetimeFigureOut">
               <a:rPr lang="en-US" smtClean="0"/>
-              <a:t>2/4/2018</a:t>
+              <a:t>2/5/2018</a:t>
             </a:fld>
             <a:endParaRPr lang="en-US"/>
           </a:p>
@@ -656,7 +669,7 @@
           <a:effectLst/>
           <a:extLst>
             <a:ext uri="{91240B29-F687-4f45-9708-019B960494DF}">
-              <a14:hiddenLine xmlns:a14="http://schemas.microsoft.com/office/drawing/2010/main" xmlns="" w="9525">
+              <a14:hiddenLine xmlns="" xmlns:a14="http://schemas.microsoft.com/office/drawing/2010/main" w="9525">
                 <a:solidFill>
                   <a:srgbClr val="000000"/>
                 </a:solidFill>
@@ -846,10 +859,9 @@
           <a:bodyPr/>
           <a:lstStyle/>
           <a:p>
-            <a:fld id="{08B9EBBA-996F-894A-B54A-D6246ED52CEA}" type="datetimeFigureOut">
-              <a:rPr lang="en-US" dirty="0"/>
-              <a:pPr/>
-              <a:t>2/4/2018</a:t>
+            <a:fld id="{6D6E9F1C-AC72-4930-835D-388E0145DFFE}" type="datetime1">
+              <a:rPr lang="en-US" smtClean="0"/>
+              <a:t>2/5/2018</a:t>
             </a:fld>
             <a:endParaRPr lang="en-US" dirty="0"/>
           </a:p>
@@ -1161,10 +1173,9 @@
           <a:bodyPr/>
           <a:lstStyle/>
           <a:p>
-            <a:fld id="{18C79C5D-2A6F-F04D-97DA-BEF2467B64E4}" type="datetimeFigureOut">
-              <a:rPr lang="en-US" dirty="0"/>
-              <a:pPr/>
-              <a:t>2/4/2018</a:t>
+            <a:fld id="{312B8C13-63C7-4B2C-9356-1708309F86E0}" type="datetime1">
+              <a:rPr lang="en-US" smtClean="0"/>
+              <a:t>2/5/2018</a:t>
             </a:fld>
             <a:endParaRPr lang="en-US" dirty="0"/>
           </a:p>
@@ -1646,10 +1657,9 @@
           <a:bodyPr/>
           <a:lstStyle/>
           <a:p>
-            <a:fld id="{8DFA1846-DA80-1C48-A609-854EA85C59AD}" type="datetimeFigureOut">
-              <a:rPr lang="en-US" dirty="0"/>
-              <a:pPr/>
-              <a:t>2/4/2018</a:t>
+            <a:fld id="{34B9551C-A3D4-4DC6-8D8D-DA616E868CCA}" type="datetime1">
+              <a:rPr lang="en-US" smtClean="0"/>
+              <a:t>2/5/2018</a:t>
             </a:fld>
             <a:endParaRPr lang="en-US" dirty="0"/>
           </a:p>
@@ -2012,10 +2022,9 @@
           <a:bodyPr/>
           <a:lstStyle/>
           <a:p>
-            <a:fld id="{FBF54567-0DE4-3F47-BF90-CB84690072F9}" type="datetimeFigureOut">
-              <a:rPr lang="en-US" dirty="0"/>
-              <a:pPr/>
-              <a:t>2/4/2018</a:t>
+            <a:fld id="{C4C3B71F-8FDD-43E1-9558-A10A663340FF}" type="datetime1">
+              <a:rPr lang="en-US" smtClean="0"/>
+              <a:t>2/5/2018</a:t>
             </a:fld>
             <a:endParaRPr lang="en-US" dirty="0"/>
           </a:p>
@@ -2166,7 +2175,7 @@
           <a:ln/>
           <a:extLst>
             <a:ext uri="{91240B29-F687-4f45-9708-019B960494DF}">
-              <a14:hiddenLine xmlns:a14="http://schemas.microsoft.com/office/drawing/2010/main" xmlns="" w="9525">
+              <a14:hiddenLine xmlns="" xmlns:a14="http://schemas.microsoft.com/office/drawing/2010/main" w="9525">
                 <a:solidFill>
                   <a:srgbClr val="000000"/>
                 </a:solidFill>
@@ -2282,10 +2291,9 @@
           <a:bodyPr/>
           <a:lstStyle/>
           <a:p>
-            <a:fld id="{C6C52C72-DE31-F449-A4ED-4C594FD91407}" type="datetimeFigureOut">
-              <a:rPr lang="en-US" dirty="0"/>
-              <a:pPr/>
-              <a:t>2/4/2018</a:t>
+            <a:fld id="{8335497F-0CC8-4B92-8894-3D88462F295E}" type="datetime1">
+              <a:rPr lang="en-US" smtClean="0"/>
+              <a:t>2/5/2018</a:t>
             </a:fld>
             <a:endParaRPr lang="en-US" dirty="0"/>
           </a:p>
@@ -2438,7 +2446,7 @@
           <a:ln/>
           <a:extLst>
             <a:ext uri="{91240B29-F687-4f45-9708-019B960494DF}">
-              <a14:hiddenLine xmlns:a14="http://schemas.microsoft.com/office/drawing/2010/main" xmlns="" w="9525">
+              <a14:hiddenLine xmlns="" xmlns:a14="http://schemas.microsoft.com/office/drawing/2010/main" w="9525">
                 <a:solidFill>
                   <a:srgbClr val="000000"/>
                 </a:solidFill>
@@ -2564,10 +2572,9 @@
           <a:bodyPr/>
           <a:lstStyle/>
           <a:p>
-            <a:fld id="{ED62726E-379B-B349-9EED-81ED093FA806}" type="datetimeFigureOut">
-              <a:rPr lang="en-US" dirty="0"/>
-              <a:pPr/>
-              <a:t>2/4/2018</a:t>
+            <a:fld id="{255766FB-FBA3-41DE-BACA-628DA8F183F2}" type="datetime1">
+              <a:rPr lang="en-US" smtClean="0"/>
+              <a:t>2/5/2018</a:t>
             </a:fld>
             <a:endParaRPr lang="en-US" dirty="0"/>
           </a:p>
@@ -2718,7 +2725,7 @@
           <a:ln/>
           <a:extLst>
             <a:ext uri="{91240B29-F687-4f45-9708-019B960494DF}">
-              <a14:hiddenLine xmlns:a14="http://schemas.microsoft.com/office/drawing/2010/main" xmlns="" w="9525">
+              <a14:hiddenLine xmlns="" xmlns:a14="http://schemas.microsoft.com/office/drawing/2010/main" w="9525">
                 <a:solidFill>
                   <a:srgbClr val="000000"/>
                 </a:solidFill>
@@ -2844,10 +2851,9 @@
           <a:bodyPr/>
           <a:lstStyle/>
           <a:p>
-            <a:fld id="{9B3A1323-8D79-1946-B0D7-40001CF92E9D}" type="datetimeFigureOut">
-              <a:rPr lang="en-US" dirty="0"/>
-              <a:pPr/>
-              <a:t>2/4/2018</a:t>
+            <a:fld id="{5C32D0B7-969E-4D1C-93A1-F873106F4B68}" type="datetime1">
+              <a:rPr lang="en-US" smtClean="0"/>
+              <a:t>2/5/2018</a:t>
             </a:fld>
             <a:endParaRPr lang="en-US" dirty="0"/>
           </a:p>
@@ -3184,10 +3190,9 @@
           <a:bodyPr/>
           <a:lstStyle/>
           <a:p>
-            <a:fld id="{8DFA1846-DA80-1C48-A609-854EA85C59AD}" type="datetimeFigureOut">
-              <a:rPr lang="en-US" dirty="0"/>
-              <a:pPr/>
-              <a:t>2/4/2018</a:t>
+            <a:fld id="{F588D111-512E-404A-A837-F888010A64EE}" type="datetime1">
+              <a:rPr lang="en-US" smtClean="0"/>
+              <a:t>2/5/2018</a:t>
             </a:fld>
             <a:endParaRPr lang="en-US" dirty="0"/>
           </a:p>
@@ -3338,7 +3343,7 @@
           <a:ln/>
           <a:extLst>
             <a:ext uri="{91240B29-F687-4f45-9708-019B960494DF}">
-              <a14:hiddenLine xmlns:a14="http://schemas.microsoft.com/office/drawing/2010/main" xmlns="" w="9525">
+              <a14:hiddenLine xmlns="" xmlns:a14="http://schemas.microsoft.com/office/drawing/2010/main" w="9525">
                 <a:solidFill>
                   <a:srgbClr val="000000"/>
                 </a:solidFill>
@@ -3520,10 +3525,9 @@
           <a:bodyPr/>
           <a:lstStyle/>
           <a:p>
-            <a:fld id="{57302355-E14B-8545-A8F8-0FE83CC9D524}" type="datetimeFigureOut">
-              <a:rPr lang="en-US" dirty="0"/>
-              <a:pPr/>
-              <a:t>2/4/2018</a:t>
+            <a:fld id="{4E3740DE-807E-4BDF-94A5-1E07E43B2F70}" type="datetime1">
+              <a:rPr lang="en-US" smtClean="0"/>
+              <a:t>2/5/2018</a:t>
             </a:fld>
             <a:endParaRPr lang="en-US" dirty="0"/>
           </a:p>
@@ -3674,7 +3678,7 @@
           <a:ln/>
           <a:extLst>
             <a:ext uri="{91240B29-F687-4f45-9708-019B960494DF}">
-              <a14:hiddenLine xmlns:a14="http://schemas.microsoft.com/office/drawing/2010/main" xmlns="" w="9525">
+              <a14:hiddenLine xmlns="" xmlns:a14="http://schemas.microsoft.com/office/drawing/2010/main" w="9525">
                 <a:solidFill>
                   <a:srgbClr val="000000"/>
                 </a:solidFill>
@@ -3994,10 +3998,9 @@
           <a:bodyPr/>
           <a:lstStyle/>
           <a:p>
-            <a:fld id="{02640F58-564D-2B4F-AE67-E407BA4FCF45}" type="datetimeFigureOut">
-              <a:rPr lang="en-US" dirty="0"/>
-              <a:pPr/>
-              <a:t>2/4/2018</a:t>
+            <a:fld id="{AA36ACBC-493E-4BF9-B3A4-5722734670BD}" type="datetime1">
+              <a:rPr lang="en-US" smtClean="0"/>
+              <a:t>2/5/2018</a:t>
             </a:fld>
             <a:endParaRPr lang="en-US" dirty="0"/>
           </a:p>
@@ -4148,7 +4151,7 @@
           <a:ln/>
           <a:extLst>
             <a:ext uri="{91240B29-F687-4f45-9708-019B960494DF}">
-              <a14:hiddenLine xmlns:a14="http://schemas.microsoft.com/office/drawing/2010/main" xmlns="" w="9525">
+              <a14:hiddenLine xmlns="" xmlns:a14="http://schemas.microsoft.com/office/drawing/2010/main" w="9525">
                 <a:solidFill>
                   <a:srgbClr val="000000"/>
                 </a:solidFill>
@@ -4212,10 +4215,9 @@
           <a:bodyPr/>
           <a:lstStyle/>
           <a:p>
-            <a:fld id="{F13A34C8-038E-2045-AF43-DF7DBB8E0E9E}" type="datetimeFigureOut">
-              <a:rPr lang="en-US" dirty="0"/>
-              <a:pPr/>
-              <a:t>2/4/2018</a:t>
+            <a:fld id="{9EFAF8A0-53BC-46ED-B0C4-C56F2E4F5AFB}" type="datetime1">
+              <a:rPr lang="en-US" smtClean="0"/>
+              <a:t>2/5/2018</a:t>
             </a:fld>
             <a:endParaRPr lang="en-US" dirty="0"/>
           </a:p>
@@ -4304,10 +4306,9 @@
           <a:bodyPr/>
           <a:lstStyle/>
           <a:p>
-            <a:fld id="{8818C68F-D26B-8F47-958C-23B49CF8A634}" type="datetimeFigureOut">
-              <a:rPr lang="en-US" dirty="0"/>
-              <a:pPr/>
-              <a:t>2/4/2018</a:t>
+            <a:fld id="{FFBCF493-80D5-4007-BF3A-AD05581D7070}" type="datetime1">
+              <a:rPr lang="en-US" smtClean="0"/>
+              <a:t>2/5/2018</a:t>
             </a:fld>
             <a:endParaRPr lang="en-US" dirty="0"/>
           </a:p>
@@ -4571,7 +4572,7 @@
           <a:ln/>
           <a:extLst>
             <a:ext uri="{91240B29-F687-4f45-9708-019B960494DF}">
-              <a14:hiddenLine xmlns:a14="http://schemas.microsoft.com/office/drawing/2010/main" xmlns="" w="9525">
+              <a14:hiddenLine xmlns="" xmlns:a14="http://schemas.microsoft.com/office/drawing/2010/main" w="9525">
                 <a:solidFill>
                   <a:srgbClr val="000000"/>
                 </a:solidFill>
@@ -4768,10 +4769,9 @@
           <a:bodyPr/>
           <a:lstStyle/>
           <a:p>
-            <a:fld id="{D0DF5E60-9974-AC48-9591-99C2BB44B7CF}" type="datetimeFigureOut">
-              <a:rPr lang="en-US" dirty="0"/>
-              <a:pPr/>
-              <a:t>2/4/2018</a:t>
+            <a:fld id="{1A018D2C-1EFA-47A3-8F58-068A00DC442D}" type="datetime1">
+              <a:rPr lang="en-US" smtClean="0"/>
+              <a:t>2/5/2018</a:t>
             </a:fld>
             <a:endParaRPr lang="en-US" dirty="0"/>
           </a:p>
@@ -5078,10 +5078,9 @@
           <a:bodyPr/>
           <a:lstStyle/>
           <a:p>
-            <a:fld id="{18C79C5D-2A6F-F04D-97DA-BEF2467B64E4}" type="datetimeFigureOut">
-              <a:rPr lang="en-US" dirty="0"/>
-              <a:pPr/>
-              <a:t>2/4/2018</a:t>
+            <a:fld id="{D11880D2-A2C3-4B9F-B414-77EED096AA8E}" type="datetime1">
+              <a:rPr lang="en-US" smtClean="0"/>
+              <a:t>2/5/2018</a:t>
             </a:fld>
             <a:endParaRPr lang="en-US" dirty="0"/>
           </a:p>
@@ -5345,10 +5344,9 @@
             </a:lvl1pPr>
           </a:lstStyle>
           <a:p>
-            <a:fld id="{09B482E8-6E0E-1B4F-B1FD-C69DB9E858D9}" type="datetimeFigureOut">
-              <a:rPr lang="en-US" dirty="0"/>
-              <a:pPr/>
-              <a:t>2/4/2018</a:t>
+            <a:fld id="{5E49406B-EF46-4E55-9D8B-D0577C078350}" type="datetime1">
+              <a:rPr lang="en-US" smtClean="0"/>
+              <a:t>2/5/2018</a:t>
             </a:fld>
             <a:endParaRPr lang="en-US" dirty="0"/>
           </a:p>
@@ -5413,7 +5411,7 @@
     <p:sldLayoutId id="2147483658" r:id="rId13"/>
     <p:sldLayoutId id="2147483659" r:id="rId14"/>
   </p:sldLayoutIdLst>
-  <p:hf sldNum="0" hdr="0" ftr="0" dt="0"/>
+  <p:hf hdr="0" ftr="0" dt="0"/>
   <p:txStyles>
     <p:titleStyle>
       <a:lvl1pPr algn="l" defTabSz="457200" rtl="0" eaLnBrk="1" latinLnBrk="0" hangingPunct="1">
@@ -5854,6 +5852,36 @@
           </a:p>
         </p:txBody>
       </p:sp>
+      <p:sp>
+        <p:nvSpPr>
+          <p:cNvPr id="4" name="Espace réservé du numéro de diapositive 3">
+            <a:extLst>
+              <a:ext uri="{FF2B5EF4-FFF2-40B4-BE49-F238E27FC236}">
+                <a16:creationId xmlns:a16="http://schemas.microsoft.com/office/drawing/2014/main" id="{F3734148-A1B1-46A3-B8E7-D447CA5D747A}"/>
+              </a:ext>
+            </a:extLst>
+          </p:cNvPr>
+          <p:cNvSpPr>
+            <a:spLocks noGrp="1"/>
+          </p:cNvSpPr>
+          <p:nvPr>
+            <p:ph type="sldNum" sz="quarter" idx="12"/>
+          </p:nvPr>
+        </p:nvSpPr>
+        <p:spPr/>
+        <p:txBody>
+          <a:bodyPr/>
+          <a:lstStyle/>
+          <a:p>
+            <a:fld id="{D57F1E4F-1CFF-5643-939E-217C01CDF565}" type="slidenum">
+              <a:rPr lang="en-US" smtClean="0"/>
+              <a:pPr/>
+              <a:t>1</a:t>
+            </a:fld>
+            <a:endParaRPr lang="en-US" dirty="0"/>
+          </a:p>
+        </p:txBody>
+      </p:sp>
     </p:spTree>
     <p:extLst>
       <p:ext uri="{BB962C8B-B14F-4D97-AF65-F5344CB8AC3E}">
@@ -6005,6 +6033,36 @@
           </a:p>
         </p:txBody>
       </p:sp>
+      <p:sp>
+        <p:nvSpPr>
+          <p:cNvPr id="4" name="Espace réservé du numéro de diapositive 3">
+            <a:extLst>
+              <a:ext uri="{FF2B5EF4-FFF2-40B4-BE49-F238E27FC236}">
+                <a16:creationId xmlns:a16="http://schemas.microsoft.com/office/drawing/2014/main" id="{F97FEC6F-BB01-4770-8075-7EC17B2F9D7A}"/>
+              </a:ext>
+            </a:extLst>
+          </p:cNvPr>
+          <p:cNvSpPr>
+            <a:spLocks noGrp="1"/>
+          </p:cNvSpPr>
+          <p:nvPr>
+            <p:ph type="sldNum" sz="quarter" idx="12"/>
+          </p:nvPr>
+        </p:nvSpPr>
+        <p:spPr/>
+        <p:txBody>
+          <a:bodyPr/>
+          <a:lstStyle/>
+          <a:p>
+            <a:fld id="{D57F1E4F-1CFF-5643-939E-217C01CDF565}" type="slidenum">
+              <a:rPr lang="en-US" smtClean="0"/>
+              <a:pPr/>
+              <a:t>2</a:t>
+            </a:fld>
+            <a:endParaRPr lang="en-US" dirty="0"/>
+          </a:p>
+        </p:txBody>
+      </p:sp>
     </p:spTree>
     <p:extLst>
       <p:ext uri="{BB962C8B-B14F-4D97-AF65-F5344CB8AC3E}">
@@ -6563,6 +6621,36 @@
           </a:p>
         </p:txBody>
       </p:sp>
+      <p:sp>
+        <p:nvSpPr>
+          <p:cNvPr id="4" name="Espace réservé du numéro de diapositive 3">
+            <a:extLst>
+              <a:ext uri="{FF2B5EF4-FFF2-40B4-BE49-F238E27FC236}">
+                <a16:creationId xmlns:a16="http://schemas.microsoft.com/office/drawing/2014/main" id="{8F0CD178-4168-4461-8A3F-B7B2CE7C326B}"/>
+              </a:ext>
+            </a:extLst>
+          </p:cNvPr>
+          <p:cNvSpPr>
+            <a:spLocks noGrp="1"/>
+          </p:cNvSpPr>
+          <p:nvPr>
+            <p:ph type="sldNum" sz="quarter" idx="12"/>
+          </p:nvPr>
+        </p:nvSpPr>
+        <p:spPr/>
+        <p:txBody>
+          <a:bodyPr/>
+          <a:lstStyle/>
+          <a:p>
+            <a:fld id="{D57F1E4F-1CFF-5643-939E-217C01CDF565}" type="slidenum">
+              <a:rPr lang="en-US" smtClean="0"/>
+              <a:pPr/>
+              <a:t>3</a:t>
+            </a:fld>
+            <a:endParaRPr lang="en-US" dirty="0"/>
+          </a:p>
+        </p:txBody>
+      </p:sp>
     </p:spTree>
     <p:extLst>
       <p:ext uri="{BB962C8B-B14F-4D97-AF65-F5344CB8AC3E}">
@@ -6773,6 +6861,36 @@
           </a:p>
         </p:txBody>
       </p:sp>
+      <p:sp>
+        <p:nvSpPr>
+          <p:cNvPr id="4" name="Espace réservé du numéro de diapositive 3">
+            <a:extLst>
+              <a:ext uri="{FF2B5EF4-FFF2-40B4-BE49-F238E27FC236}">
+                <a16:creationId xmlns:a16="http://schemas.microsoft.com/office/drawing/2014/main" id="{4F11C080-09D9-4A2E-BB08-A1DCA44DD616}"/>
+              </a:ext>
+            </a:extLst>
+          </p:cNvPr>
+          <p:cNvSpPr>
+            <a:spLocks noGrp="1"/>
+          </p:cNvSpPr>
+          <p:nvPr>
+            <p:ph type="sldNum" sz="quarter" idx="12"/>
+          </p:nvPr>
+        </p:nvSpPr>
+        <p:spPr/>
+        <p:txBody>
+          <a:bodyPr/>
+          <a:lstStyle/>
+          <a:p>
+            <a:fld id="{D57F1E4F-1CFF-5643-939E-217C01CDF565}" type="slidenum">
+              <a:rPr lang="en-US" smtClean="0"/>
+              <a:pPr/>
+              <a:t>4</a:t>
+            </a:fld>
+            <a:endParaRPr lang="en-US" dirty="0"/>
+          </a:p>
+        </p:txBody>
+      </p:sp>
     </p:spTree>
     <p:extLst>
       <p:ext uri="{BB962C8B-B14F-4D97-AF65-F5344CB8AC3E}">
@@ -7018,6 +7136,36 @@
           </a:p>
         </p:txBody>
       </p:sp>
+      <p:sp>
+        <p:nvSpPr>
+          <p:cNvPr id="4" name="Espace réservé du numéro de diapositive 3">
+            <a:extLst>
+              <a:ext uri="{FF2B5EF4-FFF2-40B4-BE49-F238E27FC236}">
+                <a16:creationId xmlns:a16="http://schemas.microsoft.com/office/drawing/2014/main" id="{A9965F00-F422-44DE-B6F3-C3B47800DD08}"/>
+              </a:ext>
+            </a:extLst>
+          </p:cNvPr>
+          <p:cNvSpPr>
+            <a:spLocks noGrp="1"/>
+          </p:cNvSpPr>
+          <p:nvPr>
+            <p:ph type="sldNum" sz="quarter" idx="12"/>
+          </p:nvPr>
+        </p:nvSpPr>
+        <p:spPr/>
+        <p:txBody>
+          <a:bodyPr/>
+          <a:lstStyle/>
+          <a:p>
+            <a:fld id="{D57F1E4F-1CFF-5643-939E-217C01CDF565}" type="slidenum">
+              <a:rPr lang="en-US" smtClean="0"/>
+              <a:pPr/>
+              <a:t>5</a:t>
+            </a:fld>
+            <a:endParaRPr lang="en-US" dirty="0"/>
+          </a:p>
+        </p:txBody>
+      </p:sp>
     </p:spTree>
     <p:extLst>
       <p:ext uri="{BB962C8B-B14F-4D97-AF65-F5344CB8AC3E}">
@@ -7069,7 +7217,15 @@
           <a:bodyPr/>
           <a:lstStyle/>
           <a:p>
-            <a:endParaRPr lang="en-US"/>
+            <a:r>
+              <a:rPr lang="fr-FR" dirty="0" err="1"/>
+              <a:t>lwIP</a:t>
+            </a:r>
+            <a:r>
+              <a:rPr lang="fr-FR" dirty="0"/>
+              <a:t> Initialisation</a:t>
+            </a:r>
+            <a:endParaRPr lang="en-US" dirty="0"/>
           </a:p>
         </p:txBody>
       </p:sp>
@@ -7094,7 +7250,123 @@
           <a:bodyPr/>
           <a:lstStyle/>
           <a:p>
-            <a:endParaRPr lang="en-US"/>
+            <a:r>
+              <a:rPr lang="en-US" b="1" dirty="0" err="1"/>
+              <a:t>lwIPInit</a:t>
+            </a:r>
+            <a:r>
+              <a:rPr lang="en-US" b="1" dirty="0"/>
+              <a:t>(g_ui32SysClock, pui8MACArray, 0, 0, 0, IPADDR_USE_DHCP);</a:t>
+            </a:r>
+          </a:p>
+          <a:p>
+            <a:pPr lvl="1"/>
+            <a:r>
+              <a:rPr lang="en-US" b="1" dirty="0"/>
+              <a:t>g_ui32SysClock : System clock</a:t>
+            </a:r>
+          </a:p>
+          <a:p>
+            <a:pPr lvl="1"/>
+            <a:r>
+              <a:rPr lang="en-US" b="1" dirty="0"/>
+              <a:t>pui8MACArray : pui8MacArray</a:t>
+            </a:r>
+          </a:p>
+          <a:p>
+            <a:pPr lvl="1"/>
+            <a:r>
+              <a:rPr lang="fr-FR" b="1" dirty="0"/>
+              <a:t>IP (</a:t>
+            </a:r>
+            <a:r>
+              <a:rPr lang="fr-FR" b="1" dirty="0" err="1"/>
+              <a:t>static</a:t>
+            </a:r>
+            <a:r>
+              <a:rPr lang="fr-FR" b="1" dirty="0"/>
+              <a:t>)</a:t>
+            </a:r>
+          </a:p>
+          <a:p>
+            <a:pPr lvl="1"/>
+            <a:r>
+              <a:rPr lang="fr-FR" b="1" dirty="0" err="1"/>
+              <a:t>Netmask</a:t>
+            </a:r>
+            <a:r>
+              <a:rPr lang="fr-FR" b="1" dirty="0"/>
+              <a:t> (</a:t>
+            </a:r>
+            <a:r>
+              <a:rPr lang="fr-FR" b="1" dirty="0" err="1"/>
+              <a:t>static</a:t>
+            </a:r>
+            <a:r>
+              <a:rPr lang="fr-FR" b="1" dirty="0"/>
+              <a:t>)</a:t>
+            </a:r>
+          </a:p>
+          <a:p>
+            <a:pPr lvl="1"/>
+            <a:r>
+              <a:rPr lang="fr-FR" b="1" dirty="0"/>
+              <a:t>Gateway (</a:t>
+            </a:r>
+            <a:r>
+              <a:rPr lang="fr-FR" b="1" dirty="0" err="1"/>
+              <a:t>static</a:t>
+            </a:r>
+            <a:r>
+              <a:rPr lang="fr-FR" b="1" dirty="0"/>
+              <a:t>)</a:t>
+            </a:r>
+          </a:p>
+          <a:p>
+            <a:pPr lvl="1"/>
+            <a:r>
+              <a:rPr lang="en-US" b="1" dirty="0"/>
+              <a:t>IPADDR_USE_DHCP : Mode DFCP. (On </a:t>
+            </a:r>
+            <a:r>
+              <a:rPr lang="en-US" b="1" dirty="0" err="1"/>
+              <a:t>utilise</a:t>
+            </a:r>
+            <a:r>
+              <a:rPr lang="en-US" b="1" dirty="0"/>
+              <a:t> pas mode IP static)</a:t>
+            </a:r>
+            <a:endParaRPr lang="en-US" dirty="0"/>
+          </a:p>
+        </p:txBody>
+      </p:sp>
+      <p:sp>
+        <p:nvSpPr>
+          <p:cNvPr id="4" name="Espace réservé du numéro de diapositive 3">
+            <a:extLst>
+              <a:ext uri="{FF2B5EF4-FFF2-40B4-BE49-F238E27FC236}">
+                <a16:creationId xmlns:a16="http://schemas.microsoft.com/office/drawing/2014/main" id="{B27A3838-0B87-4E6E-AE96-5377A96F6142}"/>
+              </a:ext>
+            </a:extLst>
+          </p:cNvPr>
+          <p:cNvSpPr>
+            <a:spLocks noGrp="1"/>
+          </p:cNvSpPr>
+          <p:nvPr>
+            <p:ph type="sldNum" sz="quarter" idx="12"/>
+          </p:nvPr>
+        </p:nvSpPr>
+        <p:spPr/>
+        <p:txBody>
+          <a:bodyPr/>
+          <a:lstStyle/>
+          <a:p>
+            <a:fld id="{D57F1E4F-1CFF-5643-939E-217C01CDF565}" type="slidenum">
+              <a:rPr lang="en-US" smtClean="0"/>
+              <a:pPr/>
+              <a:t>6</a:t>
+            </a:fld>
+            <a:endParaRPr lang="en-US" dirty="0"/>
           </a:p>
         </p:txBody>
       </p:sp>
@@ -7102,6 +7374,253 @@
     <p:extLst>
       <p:ext uri="{BB962C8B-B14F-4D97-AF65-F5344CB8AC3E}">
         <p14:creationId xmlns:p14="http://schemas.microsoft.com/office/powerpoint/2010/main" val="2208756609"/>
+      </p:ext>
+    </p:extLst>
+  </p:cSld>
+  <p:clrMapOvr>
+    <a:masterClrMapping/>
+  </p:clrMapOvr>
+</p:sld>
+</file>
+
+<file path=ppt/slides/slide7.xml><?xml version="1.0" encoding="utf-8"?>
+<p:sld xmlns:a="http://schemas.openxmlformats.org/drawingml/2006/main" xmlns:r="http://schemas.openxmlformats.org/officeDocument/2006/relationships" xmlns:p="http://schemas.openxmlformats.org/presentationml/2006/main">
+  <p:cSld>
+    <p:spTree>
+      <p:nvGrpSpPr>
+        <p:cNvPr id="1" name=""/>
+        <p:cNvGrpSpPr/>
+        <p:nvPr/>
+      </p:nvGrpSpPr>
+      <p:grpSpPr>
+        <a:xfrm>
+          <a:off x="0" y="0"/>
+          <a:ext cx="0" cy="0"/>
+          <a:chOff x="0" y="0"/>
+          <a:chExt cx="0" cy="0"/>
+        </a:xfrm>
+      </p:grpSpPr>
+      <p:sp>
+        <p:nvSpPr>
+          <p:cNvPr id="2" name="Titre 1">
+            <a:extLst>
+              <a:ext uri="{FF2B5EF4-FFF2-40B4-BE49-F238E27FC236}">
+                <a16:creationId xmlns:a16="http://schemas.microsoft.com/office/drawing/2014/main" id="{FA369541-54B4-4830-9FEB-D4524F0F8BB7}"/>
+              </a:ext>
+            </a:extLst>
+          </p:cNvPr>
+          <p:cNvSpPr>
+            <a:spLocks noGrp="1"/>
+          </p:cNvSpPr>
+          <p:nvPr>
+            <p:ph type="title"/>
+          </p:nvPr>
+        </p:nvSpPr>
+        <p:spPr/>
+        <p:txBody>
+          <a:bodyPr/>
+          <a:lstStyle/>
+          <a:p>
+            <a:r>
+              <a:rPr lang="fr-FR" dirty="0" err="1"/>
+              <a:t>lwIP</a:t>
+            </a:r>
+            <a:r>
+              <a:rPr lang="fr-FR" dirty="0"/>
+              <a:t> Initialisation</a:t>
+            </a:r>
+            <a:endParaRPr lang="en-US" dirty="0"/>
+          </a:p>
+        </p:txBody>
+      </p:sp>
+      <p:sp>
+        <p:nvSpPr>
+          <p:cNvPr id="3" name="Espace réservé du contenu 2">
+            <a:extLst>
+              <a:ext uri="{FF2B5EF4-FFF2-40B4-BE49-F238E27FC236}">
+                <a16:creationId xmlns:a16="http://schemas.microsoft.com/office/drawing/2014/main" id="{1FF6A370-FF94-4C27-A2FF-40CBAF81BA7A}"/>
+              </a:ext>
+            </a:extLst>
+          </p:cNvPr>
+          <p:cNvSpPr>
+            <a:spLocks noGrp="1"/>
+          </p:cNvSpPr>
+          <p:nvPr>
+            <p:ph idx="1"/>
+          </p:nvPr>
+        </p:nvSpPr>
+        <p:spPr/>
+        <p:txBody>
+          <a:bodyPr/>
+          <a:lstStyle/>
+          <a:p>
+            <a:r>
+              <a:rPr lang="fr-FR" dirty="0"/>
+              <a:t>Activer la périphérie Ethernet</a:t>
+            </a:r>
+          </a:p>
+          <a:p>
+            <a:r>
+              <a:rPr lang="fr-FR" dirty="0"/>
+              <a:t>Activer la couche physique de la périphérie Ethernet</a:t>
+            </a:r>
+          </a:p>
+          <a:p>
+            <a:r>
+              <a:rPr lang="fr-FR" dirty="0"/>
+              <a:t>Attendre la disponibilité de l’adresse Mac</a:t>
+            </a:r>
+          </a:p>
+          <a:p>
+            <a:r>
+              <a:rPr lang="fr-FR" dirty="0"/>
+              <a:t>Configurer Mac</a:t>
+            </a:r>
+          </a:p>
+          <a:p>
+            <a:r>
+              <a:rPr lang="en-US" b="1" dirty="0" err="1"/>
+              <a:t>lwIPPrivateInit</a:t>
+            </a:r>
+            <a:endParaRPr lang="en-US" b="1" dirty="0"/>
+          </a:p>
+          <a:p>
+            <a:pPr lvl="1"/>
+            <a:r>
+              <a:rPr lang="en-US" b="1" dirty="0" err="1"/>
+              <a:t>lwip_init</a:t>
+            </a:r>
+            <a:r>
+              <a:rPr lang="en-US" b="1" dirty="0"/>
+              <a:t> : </a:t>
+            </a:r>
+            <a:r>
+              <a:rPr lang="en-US" b="1" dirty="0" err="1"/>
+              <a:t>Initialiser</a:t>
+            </a:r>
+            <a:r>
+              <a:rPr lang="en-US" b="1" dirty="0"/>
+              <a:t> </a:t>
+            </a:r>
+            <a:r>
+              <a:rPr lang="en-US" b="1" dirty="0" err="1"/>
+              <a:t>tous</a:t>
+            </a:r>
+            <a:r>
+              <a:rPr lang="en-US" b="1" dirty="0"/>
+              <a:t> les </a:t>
+            </a:r>
+            <a:r>
+              <a:rPr lang="en-US" b="1" dirty="0" err="1"/>
+              <a:t>fonctionnalités</a:t>
+            </a:r>
+            <a:r>
+              <a:rPr lang="en-US" b="1" dirty="0"/>
+              <a:t> </a:t>
+            </a:r>
+            <a:r>
+              <a:rPr lang="en-US" b="1" dirty="0" err="1"/>
+              <a:t>qu’on</a:t>
+            </a:r>
+            <a:r>
+              <a:rPr lang="en-US" b="1" dirty="0"/>
+              <a:t> </a:t>
+            </a:r>
+            <a:r>
+              <a:rPr lang="en-US" b="1" dirty="0" err="1"/>
+              <a:t>veut</a:t>
+            </a:r>
+            <a:r>
+              <a:rPr lang="en-US" b="1" dirty="0"/>
+              <a:t> utilizer (TCP UDP etc.)</a:t>
+            </a:r>
+          </a:p>
+          <a:p>
+            <a:pPr lvl="1"/>
+            <a:r>
+              <a:rPr lang="fr-FR" b="1" dirty="0"/>
+              <a:t>C</a:t>
+            </a:r>
+            <a:r>
+              <a:rPr lang="en-US" b="1" dirty="0" err="1"/>
+              <a:t>onfigurer</a:t>
+            </a:r>
+            <a:r>
+              <a:rPr lang="en-US" b="1" dirty="0"/>
+              <a:t> </a:t>
+            </a:r>
+            <a:r>
+              <a:rPr lang="en-US" b="1" dirty="0" err="1"/>
+              <a:t>l’adresse</a:t>
+            </a:r>
+            <a:r>
+              <a:rPr lang="en-US" b="1" dirty="0"/>
+              <a:t> IP</a:t>
+            </a:r>
+          </a:p>
+          <a:p>
+            <a:pPr lvl="1"/>
+            <a:r>
+              <a:rPr lang="fr-FR" b="1" dirty="0"/>
+              <a:t>A</a:t>
+            </a:r>
+            <a:r>
+              <a:rPr lang="en-US" b="1" dirty="0" err="1"/>
+              <a:t>jouter</a:t>
+            </a:r>
+            <a:r>
+              <a:rPr lang="en-US" b="1" dirty="0"/>
+              <a:t> </a:t>
+            </a:r>
+            <a:r>
+              <a:rPr lang="en-US" b="1" dirty="0" err="1"/>
+              <a:t>l’interface</a:t>
+            </a:r>
+            <a:r>
+              <a:rPr lang="en-US" b="1" dirty="0"/>
+              <a:t> de Net </a:t>
+            </a:r>
+          </a:p>
+          <a:p>
+            <a:pPr lvl="1"/>
+            <a:endParaRPr lang="en-US" dirty="0"/>
+          </a:p>
+        </p:txBody>
+      </p:sp>
+      <p:sp>
+        <p:nvSpPr>
+          <p:cNvPr id="4" name="Espace réservé du numéro de diapositive 3">
+            <a:extLst>
+              <a:ext uri="{FF2B5EF4-FFF2-40B4-BE49-F238E27FC236}">
+                <a16:creationId xmlns:a16="http://schemas.microsoft.com/office/drawing/2014/main" id="{B07DCE69-5A10-41F4-B576-D7887DAB347F}"/>
+              </a:ext>
+            </a:extLst>
+          </p:cNvPr>
+          <p:cNvSpPr>
+            <a:spLocks noGrp="1"/>
+          </p:cNvSpPr>
+          <p:nvPr>
+            <p:ph type="sldNum" sz="quarter" idx="12"/>
+          </p:nvPr>
+        </p:nvSpPr>
+        <p:spPr/>
+        <p:txBody>
+          <a:bodyPr/>
+          <a:lstStyle/>
+          <a:p>
+            <a:fld id="{D57F1E4F-1CFF-5643-939E-217C01CDF565}" type="slidenum">
+              <a:rPr lang="en-US" smtClean="0"/>
+              <a:pPr/>
+              <a:t>7</a:t>
+            </a:fld>
+            <a:endParaRPr lang="en-US" dirty="0"/>
+          </a:p>
+        </p:txBody>
+      </p:sp>
+    </p:spTree>
+    <p:extLst>
+      <p:ext uri="{BB962C8B-B14F-4D97-AF65-F5344CB8AC3E}">
+        <p14:creationId xmlns:p14="http://schemas.microsoft.com/office/powerpoint/2010/main" val="3551550641"/>
       </p:ext>
     </p:extLst>
   </p:cSld>

--- a/Livrables/LwIP pour TIVA-C.pptx
+++ b/Livrables/LwIP pour TIVA-C.pptx
@@ -5,7 +5,7 @@
     <p:sldMasterId id="2147483648" r:id="rId1"/>
   </p:sldMasterIdLst>
   <p:notesMasterIdLst>
-    <p:notesMasterId r:id="rId9"/>
+    <p:notesMasterId r:id="rId12"/>
   </p:notesMasterIdLst>
   <p:sldIdLst>
     <p:sldId id="256" r:id="rId2"/>
@@ -15,6 +15,9 @@
     <p:sldId id="259" r:id="rId6"/>
     <p:sldId id="261" r:id="rId7"/>
     <p:sldId id="262" r:id="rId8"/>
+    <p:sldId id="263" r:id="rId9"/>
+    <p:sldId id="264" r:id="rId10"/>
+    <p:sldId id="265" r:id="rId11"/>
   </p:sldIdLst>
   <p:sldSz cx="12192000" cy="6858000"/>
   <p:notesSz cx="6858000" cy="9144000"/>
@@ -136,10 +139,6 @@
 </p:cmAuthorLst>
 </file>
 
-<file path=ppt/revisionInfo.xml><?xml version="1.0" encoding="utf-8"?>
-<p1510:revInfo xmlns:a="http://schemas.openxmlformats.org/drawingml/2006/main" xmlns:r="http://schemas.openxmlformats.org/officeDocument/2006/relationships" xmlns:p1510="http://schemas.microsoft.com/office/powerpoint/2015/10/main"/>
-</file>
-
 <file path=ppt/notesMasters/notesMaster1.xml><?xml version="1.0" encoding="utf-8"?>
 <p:notesMaster xmlns:a="http://schemas.openxmlformats.org/drawingml/2006/main" xmlns:r="http://schemas.openxmlformats.org/officeDocument/2006/relationships" xmlns:p="http://schemas.openxmlformats.org/presentationml/2006/main">
   <p:cSld>
@@ -222,7 +221,7 @@
           <a:p>
             <a:fld id="{4AC7219B-832A-437B-90F3-FD50716ECD38}" type="datetimeFigureOut">
               <a:rPr lang="en-US" smtClean="0"/>
-              <a:t>2/5/2018</a:t>
+              <a:t>2/6/2018</a:t>
             </a:fld>
             <a:endParaRPr lang="en-US"/>
           </a:p>
@@ -669,7 +668,7 @@
           <a:effectLst/>
           <a:extLst>
             <a:ext uri="{91240B29-F687-4f45-9708-019B960494DF}">
-              <a14:hiddenLine xmlns="" xmlns:a14="http://schemas.microsoft.com/office/drawing/2010/main" w="9525">
+              <a14:hiddenLine xmlns:a14="http://schemas.microsoft.com/office/drawing/2010/main" xmlns="" w="9525">
                 <a:solidFill>
                   <a:srgbClr val="000000"/>
                 </a:solidFill>
@@ -861,7 +860,7 @@
           <a:p>
             <a:fld id="{6D6E9F1C-AC72-4930-835D-388E0145DFFE}" type="datetime1">
               <a:rPr lang="en-US" smtClean="0"/>
-              <a:t>2/5/2018</a:t>
+              <a:t>2/6/2018</a:t>
             </a:fld>
             <a:endParaRPr lang="en-US" dirty="0"/>
           </a:p>
@@ -1175,7 +1174,7 @@
           <a:p>
             <a:fld id="{312B8C13-63C7-4B2C-9356-1708309F86E0}" type="datetime1">
               <a:rPr lang="en-US" smtClean="0"/>
-              <a:t>2/5/2018</a:t>
+              <a:t>2/6/2018</a:t>
             </a:fld>
             <a:endParaRPr lang="en-US" dirty="0"/>
           </a:p>
@@ -1659,7 +1658,7 @@
           <a:p>
             <a:fld id="{34B9551C-A3D4-4DC6-8D8D-DA616E868CCA}" type="datetime1">
               <a:rPr lang="en-US" smtClean="0"/>
-              <a:t>2/5/2018</a:t>
+              <a:t>2/6/2018</a:t>
             </a:fld>
             <a:endParaRPr lang="en-US" dirty="0"/>
           </a:p>
@@ -2024,7 +2023,7 @@
           <a:p>
             <a:fld id="{C4C3B71F-8FDD-43E1-9558-A10A663340FF}" type="datetime1">
               <a:rPr lang="en-US" smtClean="0"/>
-              <a:t>2/5/2018</a:t>
+              <a:t>2/6/2018</a:t>
             </a:fld>
             <a:endParaRPr lang="en-US" dirty="0"/>
           </a:p>
@@ -2175,7 +2174,7 @@
           <a:ln/>
           <a:extLst>
             <a:ext uri="{91240B29-F687-4f45-9708-019B960494DF}">
-              <a14:hiddenLine xmlns="" xmlns:a14="http://schemas.microsoft.com/office/drawing/2010/main" w="9525">
+              <a14:hiddenLine xmlns:a14="http://schemas.microsoft.com/office/drawing/2010/main" xmlns="" w="9525">
                 <a:solidFill>
                   <a:srgbClr val="000000"/>
                 </a:solidFill>
@@ -2293,7 +2292,7 @@
           <a:p>
             <a:fld id="{8335497F-0CC8-4B92-8894-3D88462F295E}" type="datetime1">
               <a:rPr lang="en-US" smtClean="0"/>
-              <a:t>2/5/2018</a:t>
+              <a:t>2/6/2018</a:t>
             </a:fld>
             <a:endParaRPr lang="en-US" dirty="0"/>
           </a:p>
@@ -2446,7 +2445,7 @@
           <a:ln/>
           <a:extLst>
             <a:ext uri="{91240B29-F687-4f45-9708-019B960494DF}">
-              <a14:hiddenLine xmlns="" xmlns:a14="http://schemas.microsoft.com/office/drawing/2010/main" w="9525">
+              <a14:hiddenLine xmlns:a14="http://schemas.microsoft.com/office/drawing/2010/main" xmlns="" w="9525">
                 <a:solidFill>
                   <a:srgbClr val="000000"/>
                 </a:solidFill>
@@ -2574,7 +2573,7 @@
           <a:p>
             <a:fld id="{255766FB-FBA3-41DE-BACA-628DA8F183F2}" type="datetime1">
               <a:rPr lang="en-US" smtClean="0"/>
-              <a:t>2/5/2018</a:t>
+              <a:t>2/6/2018</a:t>
             </a:fld>
             <a:endParaRPr lang="en-US" dirty="0"/>
           </a:p>
@@ -2725,7 +2724,7 @@
           <a:ln/>
           <a:extLst>
             <a:ext uri="{91240B29-F687-4f45-9708-019B960494DF}">
-              <a14:hiddenLine xmlns="" xmlns:a14="http://schemas.microsoft.com/office/drawing/2010/main" w="9525">
+              <a14:hiddenLine xmlns:a14="http://schemas.microsoft.com/office/drawing/2010/main" xmlns="" w="9525">
                 <a:solidFill>
                   <a:srgbClr val="000000"/>
                 </a:solidFill>
@@ -2853,7 +2852,7 @@
           <a:p>
             <a:fld id="{5C32D0B7-969E-4D1C-93A1-F873106F4B68}" type="datetime1">
               <a:rPr lang="en-US" smtClean="0"/>
-              <a:t>2/5/2018</a:t>
+              <a:t>2/6/2018</a:t>
             </a:fld>
             <a:endParaRPr lang="en-US" dirty="0"/>
           </a:p>
@@ -3192,7 +3191,7 @@
           <a:p>
             <a:fld id="{F588D111-512E-404A-A837-F888010A64EE}" type="datetime1">
               <a:rPr lang="en-US" smtClean="0"/>
-              <a:t>2/5/2018</a:t>
+              <a:t>2/6/2018</a:t>
             </a:fld>
             <a:endParaRPr lang="en-US" dirty="0"/>
           </a:p>
@@ -3343,7 +3342,7 @@
           <a:ln/>
           <a:extLst>
             <a:ext uri="{91240B29-F687-4f45-9708-019B960494DF}">
-              <a14:hiddenLine xmlns="" xmlns:a14="http://schemas.microsoft.com/office/drawing/2010/main" w="9525">
+              <a14:hiddenLine xmlns:a14="http://schemas.microsoft.com/office/drawing/2010/main" xmlns="" w="9525">
                 <a:solidFill>
                   <a:srgbClr val="000000"/>
                 </a:solidFill>
@@ -3527,7 +3526,7 @@
           <a:p>
             <a:fld id="{4E3740DE-807E-4BDF-94A5-1E07E43B2F70}" type="datetime1">
               <a:rPr lang="en-US" smtClean="0"/>
-              <a:t>2/5/2018</a:t>
+              <a:t>2/6/2018</a:t>
             </a:fld>
             <a:endParaRPr lang="en-US" dirty="0"/>
           </a:p>
@@ -3678,7 +3677,7 @@
           <a:ln/>
           <a:extLst>
             <a:ext uri="{91240B29-F687-4f45-9708-019B960494DF}">
-              <a14:hiddenLine xmlns="" xmlns:a14="http://schemas.microsoft.com/office/drawing/2010/main" w="9525">
+              <a14:hiddenLine xmlns:a14="http://schemas.microsoft.com/office/drawing/2010/main" xmlns="" w="9525">
                 <a:solidFill>
                   <a:srgbClr val="000000"/>
                 </a:solidFill>
@@ -4000,7 +3999,7 @@
           <a:p>
             <a:fld id="{AA36ACBC-493E-4BF9-B3A4-5722734670BD}" type="datetime1">
               <a:rPr lang="en-US" smtClean="0"/>
-              <a:t>2/5/2018</a:t>
+              <a:t>2/6/2018</a:t>
             </a:fld>
             <a:endParaRPr lang="en-US" dirty="0"/>
           </a:p>
@@ -4151,7 +4150,7 @@
           <a:ln/>
           <a:extLst>
             <a:ext uri="{91240B29-F687-4f45-9708-019B960494DF}">
-              <a14:hiddenLine xmlns="" xmlns:a14="http://schemas.microsoft.com/office/drawing/2010/main" w="9525">
+              <a14:hiddenLine xmlns:a14="http://schemas.microsoft.com/office/drawing/2010/main" xmlns="" w="9525">
                 <a:solidFill>
                   <a:srgbClr val="000000"/>
                 </a:solidFill>
@@ -4217,7 +4216,7 @@
           <a:p>
             <a:fld id="{9EFAF8A0-53BC-46ED-B0C4-C56F2E4F5AFB}" type="datetime1">
               <a:rPr lang="en-US" smtClean="0"/>
-              <a:t>2/5/2018</a:t>
+              <a:t>2/6/2018</a:t>
             </a:fld>
             <a:endParaRPr lang="en-US" dirty="0"/>
           </a:p>
@@ -4308,7 +4307,7 @@
           <a:p>
             <a:fld id="{FFBCF493-80D5-4007-BF3A-AD05581D7070}" type="datetime1">
               <a:rPr lang="en-US" smtClean="0"/>
-              <a:t>2/5/2018</a:t>
+              <a:t>2/6/2018</a:t>
             </a:fld>
             <a:endParaRPr lang="en-US" dirty="0"/>
           </a:p>
@@ -4572,7 +4571,7 @@
           <a:ln/>
           <a:extLst>
             <a:ext uri="{91240B29-F687-4f45-9708-019B960494DF}">
-              <a14:hiddenLine xmlns="" xmlns:a14="http://schemas.microsoft.com/office/drawing/2010/main" w="9525">
+              <a14:hiddenLine xmlns:a14="http://schemas.microsoft.com/office/drawing/2010/main" xmlns="" w="9525">
                 <a:solidFill>
                   <a:srgbClr val="000000"/>
                 </a:solidFill>
@@ -4771,7 +4770,7 @@
           <a:p>
             <a:fld id="{1A018D2C-1EFA-47A3-8F58-068A00DC442D}" type="datetime1">
               <a:rPr lang="en-US" smtClean="0"/>
-              <a:t>2/5/2018</a:t>
+              <a:t>2/6/2018</a:t>
             </a:fld>
             <a:endParaRPr lang="en-US" dirty="0"/>
           </a:p>
@@ -5080,7 +5079,7 @@
           <a:p>
             <a:fld id="{D11880D2-A2C3-4B9F-B414-77EED096AA8E}" type="datetime1">
               <a:rPr lang="en-US" smtClean="0"/>
-              <a:t>2/5/2018</a:t>
+              <a:t>2/6/2018</a:t>
             </a:fld>
             <a:endParaRPr lang="en-US" dirty="0"/>
           </a:p>
@@ -5346,7 +5345,7 @@
           <a:p>
             <a:fld id="{5E49406B-EF46-4E55-9D8B-D0577C078350}" type="datetime1">
               <a:rPr lang="en-US" smtClean="0"/>
-              <a:t>2/5/2018</a:t>
+              <a:t>2/6/2018</a:t>
             </a:fld>
             <a:endParaRPr lang="en-US" dirty="0"/>
           </a:p>
@@ -5895,6 +5894,212 @@
 </p:sld>
 </file>
 
+<file path=ppt/slides/slide10.xml><?xml version="1.0" encoding="utf-8"?>
+<p:sld xmlns:a="http://schemas.openxmlformats.org/drawingml/2006/main" xmlns:r="http://schemas.openxmlformats.org/officeDocument/2006/relationships" xmlns:p="http://schemas.openxmlformats.org/presentationml/2006/main">
+  <p:cSld>
+    <p:spTree>
+      <p:nvGrpSpPr>
+        <p:cNvPr id="1" name=""/>
+        <p:cNvGrpSpPr/>
+        <p:nvPr/>
+      </p:nvGrpSpPr>
+      <p:grpSpPr>
+        <a:xfrm>
+          <a:off x="0" y="0"/>
+          <a:ext cx="0" cy="0"/>
+          <a:chOff x="0" y="0"/>
+          <a:chExt cx="0" cy="0"/>
+        </a:xfrm>
+      </p:grpSpPr>
+      <p:sp>
+        <p:nvSpPr>
+          <p:cNvPr id="2" name="Titre 1">
+            <a:extLst>
+              <a:ext uri="{FF2B5EF4-FFF2-40B4-BE49-F238E27FC236}">
+                <a16:creationId xmlns:a16="http://schemas.microsoft.com/office/drawing/2014/main" id="{81B6D5F6-D596-4C63-9941-627733A07EF3}"/>
+              </a:ext>
+            </a:extLst>
+          </p:cNvPr>
+          <p:cNvSpPr>
+            <a:spLocks noGrp="1"/>
+          </p:cNvSpPr>
+          <p:nvPr>
+            <p:ph type="title"/>
+          </p:nvPr>
+        </p:nvSpPr>
+        <p:spPr/>
+        <p:txBody>
+          <a:bodyPr/>
+          <a:lstStyle/>
+          <a:p>
+            <a:r>
+              <a:rPr lang="fr-FR" dirty="0" err="1"/>
+              <a:t>lwip.c</a:t>
+            </a:r>
+            <a:r>
+              <a:rPr lang="fr-FR" dirty="0"/>
+              <a:t>/</a:t>
+            </a:r>
+            <a:r>
+              <a:rPr lang="en-US" dirty="0" err="1"/>
+              <a:t>lwIPEthernetIntHandler</a:t>
+            </a:r>
+            <a:endParaRPr lang="en-US" dirty="0"/>
+          </a:p>
+        </p:txBody>
+      </p:sp>
+      <p:sp>
+        <p:nvSpPr>
+          <p:cNvPr id="3" name="Espace réservé du contenu 2">
+            <a:extLst>
+              <a:ext uri="{FF2B5EF4-FFF2-40B4-BE49-F238E27FC236}">
+                <a16:creationId xmlns:a16="http://schemas.microsoft.com/office/drawing/2014/main" id="{74EF7D20-B861-4AB2-9CA5-04545E7E66BB}"/>
+              </a:ext>
+            </a:extLst>
+          </p:cNvPr>
+          <p:cNvSpPr>
+            <a:spLocks noGrp="1"/>
+          </p:cNvSpPr>
+          <p:nvPr>
+            <p:ph idx="1"/>
+          </p:nvPr>
+        </p:nvSpPr>
+        <p:spPr/>
+        <p:txBody>
+          <a:bodyPr/>
+          <a:lstStyle/>
+          <a:p>
+            <a:r>
+              <a:rPr lang="en-US" dirty="0" err="1"/>
+              <a:t>MAP_EMACIntStatus</a:t>
+            </a:r>
+            <a:r>
+              <a:rPr lang="en-US" dirty="0"/>
+              <a:t> - </a:t>
+            </a:r>
+            <a:r>
+              <a:rPr lang="en-US" dirty="0" err="1"/>
+              <a:t>tivaif_interrupt</a:t>
+            </a:r>
+            <a:r>
+              <a:rPr lang="en-US" dirty="0"/>
+              <a:t> - </a:t>
+            </a:r>
+            <a:r>
+              <a:rPr lang="en-US" dirty="0" err="1"/>
+              <a:t>tivaif_receive</a:t>
+            </a:r>
+            <a:r>
+              <a:rPr lang="en-US" dirty="0"/>
+              <a:t> - </a:t>
+            </a:r>
+            <a:r>
+              <a:rPr lang="en-US" dirty="0" err="1"/>
+              <a:t>ethernet_input</a:t>
+            </a:r>
+            <a:r>
+              <a:rPr lang="en-US" dirty="0"/>
+              <a:t> - </a:t>
+            </a:r>
+            <a:r>
+              <a:rPr lang="en-US" dirty="0" err="1"/>
+              <a:t>ip_input</a:t>
+            </a:r>
+            <a:r>
+              <a:rPr lang="en-US" dirty="0"/>
+              <a:t> - </a:t>
+            </a:r>
+            <a:r>
+              <a:rPr lang="en-US" dirty="0" err="1"/>
+              <a:t>tcp_input</a:t>
+            </a:r>
+            <a:r>
+              <a:rPr lang="en-US" dirty="0"/>
+              <a:t> - TCP_EVENT_RECV – (callback function) </a:t>
+            </a:r>
+            <a:r>
+              <a:rPr lang="en-US" dirty="0" err="1"/>
+              <a:t>http_recv</a:t>
+            </a:r>
+            <a:r>
+              <a:rPr lang="en-US" dirty="0"/>
+              <a:t> - </a:t>
+            </a:r>
+            <a:r>
+              <a:rPr lang="en-US" dirty="0" err="1"/>
+              <a:t>http_parse_request</a:t>
+            </a:r>
+            <a:r>
+              <a:rPr lang="en-US" dirty="0"/>
+              <a:t> - </a:t>
+            </a:r>
+            <a:r>
+              <a:rPr lang="en-US" dirty="0" err="1"/>
+              <a:t>http_find_file</a:t>
+            </a:r>
+            <a:r>
+              <a:rPr lang="en-US" dirty="0"/>
+              <a:t> - </a:t>
+            </a:r>
+            <a:r>
+              <a:rPr lang="en-US" dirty="0" err="1"/>
+              <a:t>http_send_data</a:t>
+            </a:r>
+            <a:r>
+              <a:rPr lang="en-US" dirty="0"/>
+              <a:t> - </a:t>
+            </a:r>
+            <a:r>
+              <a:rPr lang="en-US" dirty="0" err="1"/>
+              <a:t>http_close_conn</a:t>
+            </a:r>
+            <a:endParaRPr lang="en-US" dirty="0"/>
+          </a:p>
+        </p:txBody>
+      </p:sp>
+      <p:sp>
+        <p:nvSpPr>
+          <p:cNvPr id="4" name="Espace réservé du numéro de diapositive 3">
+            <a:extLst>
+              <a:ext uri="{FF2B5EF4-FFF2-40B4-BE49-F238E27FC236}">
+                <a16:creationId xmlns:a16="http://schemas.microsoft.com/office/drawing/2014/main" id="{1F255AE4-3BD9-4D48-85C3-C4A495612051}"/>
+              </a:ext>
+            </a:extLst>
+          </p:cNvPr>
+          <p:cNvSpPr>
+            <a:spLocks noGrp="1"/>
+          </p:cNvSpPr>
+          <p:nvPr>
+            <p:ph type="sldNum" sz="quarter" idx="12"/>
+          </p:nvPr>
+        </p:nvSpPr>
+        <p:spPr/>
+        <p:txBody>
+          <a:bodyPr/>
+          <a:lstStyle/>
+          <a:p>
+            <a:fld id="{D57F1E4F-1CFF-5643-939E-217C01CDF565}" type="slidenum">
+              <a:rPr lang="en-US" smtClean="0"/>
+              <a:pPr/>
+              <a:t>10</a:t>
+            </a:fld>
+            <a:endParaRPr lang="en-US" dirty="0"/>
+          </a:p>
+        </p:txBody>
+      </p:sp>
+    </p:spTree>
+    <p:extLst>
+      <p:ext uri="{BB962C8B-B14F-4D97-AF65-F5344CB8AC3E}">
+        <p14:creationId xmlns:p14="http://schemas.microsoft.com/office/powerpoint/2010/main" val="1985825777"/>
+      </p:ext>
+    </p:extLst>
+  </p:cSld>
+  <p:clrMapOvr>
+    <a:masterClrMapping/>
+  </p:clrMapOvr>
+</p:sld>
+</file>
+
 <file path=ppt/slides/slide2.xml><?xml version="1.0" encoding="utf-8"?>
 <p:sld xmlns:a="http://schemas.openxmlformats.org/drawingml/2006/main" xmlns:r="http://schemas.openxmlformats.org/officeDocument/2006/relationships" xmlns:p="http://schemas.openxmlformats.org/presentationml/2006/main">
   <p:cSld>
@@ -5986,7 +6191,7 @@
           <a:p>
             <a:r>
               <a:rPr lang="fr-FR" dirty="0"/>
-              <a:t>Processus essentiels</a:t>
+              <a:t>Processus initialisation</a:t>
             </a:r>
           </a:p>
           <a:p>
@@ -6015,18 +6220,13 @@
               <a:rPr lang="en-US" dirty="0" err="1"/>
               <a:t>httpd_init</a:t>
             </a:r>
-            <a:endParaRPr lang="en-US" dirty="0"/>
-          </a:p>
-          <a:p>
-            <a:pPr lvl="1"/>
             <a:endParaRPr lang="fr-FR" dirty="0"/>
           </a:p>
           <a:p>
-            <a:pPr lvl="1"/>
-            <a:endParaRPr lang="fr-FR" dirty="0"/>
-          </a:p>
-          <a:p>
-            <a:endParaRPr lang="fr-FR" dirty="0"/>
+            <a:r>
+              <a:rPr lang="fr-FR" dirty="0"/>
+              <a:t>Processus Interruption</a:t>
+            </a:r>
           </a:p>
           <a:p>
             <a:endParaRPr lang="fr-FR" dirty="0"/>
@@ -7621,6 +7821,294 @@
     <p:extLst>
       <p:ext uri="{BB962C8B-B14F-4D97-AF65-F5344CB8AC3E}">
         <p14:creationId xmlns:p14="http://schemas.microsoft.com/office/powerpoint/2010/main" val="3551550641"/>
+      </p:ext>
+    </p:extLst>
+  </p:cSld>
+  <p:clrMapOvr>
+    <a:masterClrMapping/>
+  </p:clrMapOvr>
+</p:sld>
+</file>
+
+<file path=ppt/slides/slide8.xml><?xml version="1.0" encoding="utf-8"?>
+<p:sld xmlns:a="http://schemas.openxmlformats.org/drawingml/2006/main" xmlns:r="http://schemas.openxmlformats.org/officeDocument/2006/relationships" xmlns:p="http://schemas.openxmlformats.org/presentationml/2006/main">
+  <p:cSld>
+    <p:spTree>
+      <p:nvGrpSpPr>
+        <p:cNvPr id="1" name=""/>
+        <p:cNvGrpSpPr/>
+        <p:nvPr/>
+      </p:nvGrpSpPr>
+      <p:grpSpPr>
+        <a:xfrm>
+          <a:off x="0" y="0"/>
+          <a:ext cx="0" cy="0"/>
+          <a:chOff x="0" y="0"/>
+          <a:chExt cx="0" cy="0"/>
+        </a:xfrm>
+      </p:grpSpPr>
+      <p:sp>
+        <p:nvSpPr>
+          <p:cNvPr id="2" name="Titre 1">
+            <a:extLst>
+              <a:ext uri="{FF2B5EF4-FFF2-40B4-BE49-F238E27FC236}">
+                <a16:creationId xmlns:a16="http://schemas.microsoft.com/office/drawing/2014/main" id="{6A2065DC-9B77-49E0-94D9-9EE74381230D}"/>
+              </a:ext>
+            </a:extLst>
+          </p:cNvPr>
+          <p:cNvSpPr>
+            <a:spLocks noGrp="1"/>
+          </p:cNvSpPr>
+          <p:nvPr>
+            <p:ph type="title"/>
+          </p:nvPr>
+        </p:nvSpPr>
+        <p:spPr/>
+        <p:txBody>
+          <a:bodyPr/>
+          <a:lstStyle/>
+          <a:p>
+            <a:r>
+              <a:rPr lang="fr-FR" dirty="0"/>
+              <a:t>Locator Initialisation</a:t>
+            </a:r>
+            <a:endParaRPr lang="en-US" dirty="0"/>
+          </a:p>
+        </p:txBody>
+      </p:sp>
+      <p:sp>
+        <p:nvSpPr>
+          <p:cNvPr id="3" name="Espace réservé du contenu 2">
+            <a:extLst>
+              <a:ext uri="{FF2B5EF4-FFF2-40B4-BE49-F238E27FC236}">
+                <a16:creationId xmlns:a16="http://schemas.microsoft.com/office/drawing/2014/main" id="{3489DD12-8D2B-48FF-A917-1C45C3E392A7}"/>
+              </a:ext>
+            </a:extLst>
+          </p:cNvPr>
+          <p:cNvSpPr>
+            <a:spLocks noGrp="1"/>
+          </p:cNvSpPr>
+          <p:nvPr>
+            <p:ph idx="1"/>
+          </p:nvPr>
+        </p:nvSpPr>
+        <p:spPr/>
+        <p:txBody>
+          <a:bodyPr/>
+          <a:lstStyle/>
+          <a:p>
+            <a:r>
+              <a:rPr lang="fr-FR" b="1" dirty="0"/>
+              <a:t>Pour trouver les appareils</a:t>
+            </a:r>
+          </a:p>
+          <a:p>
+            <a:r>
+              <a:rPr lang="en-US" b="1" dirty="0"/>
+              <a:t>g_pui8LocatorData[84]</a:t>
+            </a:r>
+          </a:p>
+          <a:p>
+            <a:r>
+              <a:rPr lang="en-US" b="1" dirty="0" err="1"/>
+              <a:t>LocatorInit</a:t>
+            </a:r>
+            <a:r>
+              <a:rPr lang="en-US" b="1" dirty="0"/>
+              <a:t>();</a:t>
+            </a:r>
+          </a:p>
+          <a:p>
+            <a:r>
+              <a:rPr lang="en-US" b="1" dirty="0" err="1"/>
+              <a:t>LocatorMACAddrSet</a:t>
+            </a:r>
+            <a:r>
+              <a:rPr lang="en-US" b="1" dirty="0"/>
+              <a:t>(pui8MACArray);</a:t>
+            </a:r>
+          </a:p>
+          <a:p>
+            <a:r>
+              <a:rPr lang="en-US" b="1" dirty="0" err="1"/>
+              <a:t>LocatorAppTitleSet</a:t>
+            </a:r>
+            <a:r>
+              <a:rPr lang="en-US" b="1" dirty="0"/>
+              <a:t>("EK-TM4C1294XL </a:t>
+            </a:r>
+            <a:r>
+              <a:rPr lang="en-US" b="1" dirty="0" err="1"/>
+              <a:t>enet_io</a:t>
+            </a:r>
+            <a:r>
+              <a:rPr lang="en-US" b="1" dirty="0"/>
+              <a:t>");</a:t>
+            </a:r>
+          </a:p>
+          <a:p>
+            <a:endParaRPr lang="en-US" dirty="0"/>
+          </a:p>
+        </p:txBody>
+      </p:sp>
+      <p:sp>
+        <p:nvSpPr>
+          <p:cNvPr id="4" name="Espace réservé du numéro de diapositive 3">
+            <a:extLst>
+              <a:ext uri="{FF2B5EF4-FFF2-40B4-BE49-F238E27FC236}">
+                <a16:creationId xmlns:a16="http://schemas.microsoft.com/office/drawing/2014/main" id="{0B5463A1-62E9-45AF-A236-8949F5038755}"/>
+              </a:ext>
+            </a:extLst>
+          </p:cNvPr>
+          <p:cNvSpPr>
+            <a:spLocks noGrp="1"/>
+          </p:cNvSpPr>
+          <p:nvPr>
+            <p:ph type="sldNum" sz="quarter" idx="12"/>
+          </p:nvPr>
+        </p:nvSpPr>
+        <p:spPr/>
+        <p:txBody>
+          <a:bodyPr/>
+          <a:lstStyle/>
+          <a:p>
+            <a:fld id="{D57F1E4F-1CFF-5643-939E-217C01CDF565}" type="slidenum">
+              <a:rPr lang="en-US" smtClean="0"/>
+              <a:pPr/>
+              <a:t>8</a:t>
+            </a:fld>
+            <a:endParaRPr lang="en-US" dirty="0"/>
+          </a:p>
+        </p:txBody>
+      </p:sp>
+    </p:spTree>
+    <p:extLst>
+      <p:ext uri="{BB962C8B-B14F-4D97-AF65-F5344CB8AC3E}">
+        <p14:creationId xmlns:p14="http://schemas.microsoft.com/office/powerpoint/2010/main" val="737552756"/>
+      </p:ext>
+    </p:extLst>
+  </p:cSld>
+  <p:clrMapOvr>
+    <a:masterClrMapping/>
+  </p:clrMapOvr>
+</p:sld>
+</file>
+
+<file path=ppt/slides/slide9.xml><?xml version="1.0" encoding="utf-8"?>
+<p:sld xmlns:a="http://schemas.openxmlformats.org/drawingml/2006/main" xmlns:r="http://schemas.openxmlformats.org/officeDocument/2006/relationships" xmlns:p="http://schemas.openxmlformats.org/presentationml/2006/main">
+  <p:cSld>
+    <p:spTree>
+      <p:nvGrpSpPr>
+        <p:cNvPr id="1" name=""/>
+        <p:cNvGrpSpPr/>
+        <p:nvPr/>
+      </p:nvGrpSpPr>
+      <p:grpSpPr>
+        <a:xfrm>
+          <a:off x="0" y="0"/>
+          <a:ext cx="0" cy="0"/>
+          <a:chOff x="0" y="0"/>
+          <a:chExt cx="0" cy="0"/>
+        </a:xfrm>
+      </p:grpSpPr>
+      <p:sp>
+        <p:nvSpPr>
+          <p:cNvPr id="2" name="Titre 1">
+            <a:extLst>
+              <a:ext uri="{FF2B5EF4-FFF2-40B4-BE49-F238E27FC236}">
+                <a16:creationId xmlns:a16="http://schemas.microsoft.com/office/drawing/2014/main" id="{C7215AE3-38E5-4DEC-BCA5-C2FA51BC8F55}"/>
+              </a:ext>
+            </a:extLst>
+          </p:cNvPr>
+          <p:cNvSpPr>
+            <a:spLocks noGrp="1"/>
+          </p:cNvSpPr>
+          <p:nvPr>
+            <p:ph type="title"/>
+          </p:nvPr>
+        </p:nvSpPr>
+        <p:spPr/>
+        <p:txBody>
+          <a:bodyPr/>
+          <a:lstStyle/>
+          <a:p>
+            <a:r>
+              <a:rPr lang="fr-FR" dirty="0"/>
+              <a:t>http Initialisation</a:t>
+            </a:r>
+            <a:endParaRPr lang="en-US" dirty="0"/>
+          </a:p>
+        </p:txBody>
+      </p:sp>
+      <p:sp>
+        <p:nvSpPr>
+          <p:cNvPr id="3" name="Espace réservé du contenu 2">
+            <a:extLst>
+              <a:ext uri="{FF2B5EF4-FFF2-40B4-BE49-F238E27FC236}">
+                <a16:creationId xmlns:a16="http://schemas.microsoft.com/office/drawing/2014/main" id="{8D2DBFC2-6F1A-4DA3-A841-AB005710C050}"/>
+              </a:ext>
+            </a:extLst>
+          </p:cNvPr>
+          <p:cNvSpPr>
+            <a:spLocks noGrp="1"/>
+          </p:cNvSpPr>
+          <p:nvPr>
+            <p:ph idx="1"/>
+          </p:nvPr>
+        </p:nvSpPr>
+        <p:spPr/>
+        <p:txBody>
+          <a:bodyPr/>
+          <a:lstStyle/>
+          <a:p>
+            <a:r>
+              <a:rPr lang="fr-FR" dirty="0"/>
+              <a:t>Lier avec le serveur HTTP</a:t>
+            </a:r>
+          </a:p>
+          <a:p>
+            <a:r>
+              <a:rPr lang="fr-FR" dirty="0"/>
+              <a:t>Ouvrir l’écoute sur TCP</a:t>
+            </a:r>
+            <a:endParaRPr lang="en-US" dirty="0"/>
+          </a:p>
+        </p:txBody>
+      </p:sp>
+      <p:sp>
+        <p:nvSpPr>
+          <p:cNvPr id="4" name="Espace réservé du numéro de diapositive 3">
+            <a:extLst>
+              <a:ext uri="{FF2B5EF4-FFF2-40B4-BE49-F238E27FC236}">
+                <a16:creationId xmlns:a16="http://schemas.microsoft.com/office/drawing/2014/main" id="{A256C282-AC29-48B5-814E-37480AA37B99}"/>
+              </a:ext>
+            </a:extLst>
+          </p:cNvPr>
+          <p:cNvSpPr>
+            <a:spLocks noGrp="1"/>
+          </p:cNvSpPr>
+          <p:nvPr>
+            <p:ph type="sldNum" sz="quarter" idx="12"/>
+          </p:nvPr>
+        </p:nvSpPr>
+        <p:spPr/>
+        <p:txBody>
+          <a:bodyPr/>
+          <a:lstStyle/>
+          <a:p>
+            <a:fld id="{D57F1E4F-1CFF-5643-939E-217C01CDF565}" type="slidenum">
+              <a:rPr lang="en-US" smtClean="0"/>
+              <a:pPr/>
+              <a:t>9</a:t>
+            </a:fld>
+            <a:endParaRPr lang="en-US" dirty="0"/>
+          </a:p>
+        </p:txBody>
+      </p:sp>
+    </p:spTree>
+    <p:extLst>
+      <p:ext uri="{BB962C8B-B14F-4D97-AF65-F5344CB8AC3E}">
+        <p14:creationId xmlns:p14="http://schemas.microsoft.com/office/powerpoint/2010/main" val="3973702493"/>
       </p:ext>
     </p:extLst>
   </p:cSld>

--- a/Livrables/LwIP pour TIVA-C.pptx
+++ b/Livrables/LwIP pour TIVA-C.pptx
@@ -221,7 +221,7 @@
           <a:p>
             <a:fld id="{4AC7219B-832A-437B-90F3-FD50716ECD38}" type="datetimeFigureOut">
               <a:rPr lang="en-US" smtClean="0"/>
-              <a:t>2/6/2018</a:t>
+              <a:t>2/12/2018</a:t>
             </a:fld>
             <a:endParaRPr lang="en-US"/>
           </a:p>
@@ -668,7 +668,7 @@
           <a:effectLst/>
           <a:extLst>
             <a:ext uri="{91240B29-F687-4f45-9708-019B960494DF}">
-              <a14:hiddenLine xmlns:a14="http://schemas.microsoft.com/office/drawing/2010/main" xmlns="" w="9525">
+              <a14:hiddenLine xmlns="" xmlns:a14="http://schemas.microsoft.com/office/drawing/2010/main" w="9525">
                 <a:solidFill>
                   <a:srgbClr val="000000"/>
                 </a:solidFill>
@@ -860,7 +860,7 @@
           <a:p>
             <a:fld id="{6D6E9F1C-AC72-4930-835D-388E0145DFFE}" type="datetime1">
               <a:rPr lang="en-US" smtClean="0"/>
-              <a:t>2/6/2018</a:t>
+              <a:t>2/12/2018</a:t>
             </a:fld>
             <a:endParaRPr lang="en-US" dirty="0"/>
           </a:p>
@@ -1174,7 +1174,7 @@
           <a:p>
             <a:fld id="{312B8C13-63C7-4B2C-9356-1708309F86E0}" type="datetime1">
               <a:rPr lang="en-US" smtClean="0"/>
-              <a:t>2/6/2018</a:t>
+              <a:t>2/12/2018</a:t>
             </a:fld>
             <a:endParaRPr lang="en-US" dirty="0"/>
           </a:p>
@@ -1658,7 +1658,7 @@
           <a:p>
             <a:fld id="{34B9551C-A3D4-4DC6-8D8D-DA616E868CCA}" type="datetime1">
               <a:rPr lang="en-US" smtClean="0"/>
-              <a:t>2/6/2018</a:t>
+              <a:t>2/12/2018</a:t>
             </a:fld>
             <a:endParaRPr lang="en-US" dirty="0"/>
           </a:p>
@@ -2023,7 +2023,7 @@
           <a:p>
             <a:fld id="{C4C3B71F-8FDD-43E1-9558-A10A663340FF}" type="datetime1">
               <a:rPr lang="en-US" smtClean="0"/>
-              <a:t>2/6/2018</a:t>
+              <a:t>2/12/2018</a:t>
             </a:fld>
             <a:endParaRPr lang="en-US" dirty="0"/>
           </a:p>
@@ -2174,7 +2174,7 @@
           <a:ln/>
           <a:extLst>
             <a:ext uri="{91240B29-F687-4f45-9708-019B960494DF}">
-              <a14:hiddenLine xmlns:a14="http://schemas.microsoft.com/office/drawing/2010/main" xmlns="" w="9525">
+              <a14:hiddenLine xmlns="" xmlns:a14="http://schemas.microsoft.com/office/drawing/2010/main" w="9525">
                 <a:solidFill>
                   <a:srgbClr val="000000"/>
                 </a:solidFill>
@@ -2292,7 +2292,7 @@
           <a:p>
             <a:fld id="{8335497F-0CC8-4B92-8894-3D88462F295E}" type="datetime1">
               <a:rPr lang="en-US" smtClean="0"/>
-              <a:t>2/6/2018</a:t>
+              <a:t>2/12/2018</a:t>
             </a:fld>
             <a:endParaRPr lang="en-US" dirty="0"/>
           </a:p>
@@ -2445,7 +2445,7 @@
           <a:ln/>
           <a:extLst>
             <a:ext uri="{91240B29-F687-4f45-9708-019B960494DF}">
-              <a14:hiddenLine xmlns:a14="http://schemas.microsoft.com/office/drawing/2010/main" xmlns="" w="9525">
+              <a14:hiddenLine xmlns="" xmlns:a14="http://schemas.microsoft.com/office/drawing/2010/main" w="9525">
                 <a:solidFill>
                   <a:srgbClr val="000000"/>
                 </a:solidFill>
@@ -2573,7 +2573,7 @@
           <a:p>
             <a:fld id="{255766FB-FBA3-41DE-BACA-628DA8F183F2}" type="datetime1">
               <a:rPr lang="en-US" smtClean="0"/>
-              <a:t>2/6/2018</a:t>
+              <a:t>2/12/2018</a:t>
             </a:fld>
             <a:endParaRPr lang="en-US" dirty="0"/>
           </a:p>
@@ -2724,7 +2724,7 @@
           <a:ln/>
           <a:extLst>
             <a:ext uri="{91240B29-F687-4f45-9708-019B960494DF}">
-              <a14:hiddenLine xmlns:a14="http://schemas.microsoft.com/office/drawing/2010/main" xmlns="" w="9525">
+              <a14:hiddenLine xmlns="" xmlns:a14="http://schemas.microsoft.com/office/drawing/2010/main" w="9525">
                 <a:solidFill>
                   <a:srgbClr val="000000"/>
                 </a:solidFill>
@@ -2852,7 +2852,7 @@
           <a:p>
             <a:fld id="{5C32D0B7-969E-4D1C-93A1-F873106F4B68}" type="datetime1">
               <a:rPr lang="en-US" smtClean="0"/>
-              <a:t>2/6/2018</a:t>
+              <a:t>2/12/2018</a:t>
             </a:fld>
             <a:endParaRPr lang="en-US" dirty="0"/>
           </a:p>
@@ -3191,7 +3191,7 @@
           <a:p>
             <a:fld id="{F588D111-512E-404A-A837-F888010A64EE}" type="datetime1">
               <a:rPr lang="en-US" smtClean="0"/>
-              <a:t>2/6/2018</a:t>
+              <a:t>2/12/2018</a:t>
             </a:fld>
             <a:endParaRPr lang="en-US" dirty="0"/>
           </a:p>
@@ -3342,7 +3342,7 @@
           <a:ln/>
           <a:extLst>
             <a:ext uri="{91240B29-F687-4f45-9708-019B960494DF}">
-              <a14:hiddenLine xmlns:a14="http://schemas.microsoft.com/office/drawing/2010/main" xmlns="" w="9525">
+              <a14:hiddenLine xmlns="" xmlns:a14="http://schemas.microsoft.com/office/drawing/2010/main" w="9525">
                 <a:solidFill>
                   <a:srgbClr val="000000"/>
                 </a:solidFill>
@@ -3526,7 +3526,7 @@
           <a:p>
             <a:fld id="{4E3740DE-807E-4BDF-94A5-1E07E43B2F70}" type="datetime1">
               <a:rPr lang="en-US" smtClean="0"/>
-              <a:t>2/6/2018</a:t>
+              <a:t>2/12/2018</a:t>
             </a:fld>
             <a:endParaRPr lang="en-US" dirty="0"/>
           </a:p>
@@ -3677,7 +3677,7 @@
           <a:ln/>
           <a:extLst>
             <a:ext uri="{91240B29-F687-4f45-9708-019B960494DF}">
-              <a14:hiddenLine xmlns:a14="http://schemas.microsoft.com/office/drawing/2010/main" xmlns="" w="9525">
+              <a14:hiddenLine xmlns="" xmlns:a14="http://schemas.microsoft.com/office/drawing/2010/main" w="9525">
                 <a:solidFill>
                   <a:srgbClr val="000000"/>
                 </a:solidFill>
@@ -3999,7 +3999,7 @@
           <a:p>
             <a:fld id="{AA36ACBC-493E-4BF9-B3A4-5722734670BD}" type="datetime1">
               <a:rPr lang="en-US" smtClean="0"/>
-              <a:t>2/6/2018</a:t>
+              <a:t>2/12/2018</a:t>
             </a:fld>
             <a:endParaRPr lang="en-US" dirty="0"/>
           </a:p>
@@ -4150,7 +4150,7 @@
           <a:ln/>
           <a:extLst>
             <a:ext uri="{91240B29-F687-4f45-9708-019B960494DF}">
-              <a14:hiddenLine xmlns:a14="http://schemas.microsoft.com/office/drawing/2010/main" xmlns="" w="9525">
+              <a14:hiddenLine xmlns="" xmlns:a14="http://schemas.microsoft.com/office/drawing/2010/main" w="9525">
                 <a:solidFill>
                   <a:srgbClr val="000000"/>
                 </a:solidFill>
@@ -4216,7 +4216,7 @@
           <a:p>
             <a:fld id="{9EFAF8A0-53BC-46ED-B0C4-C56F2E4F5AFB}" type="datetime1">
               <a:rPr lang="en-US" smtClean="0"/>
-              <a:t>2/6/2018</a:t>
+              <a:t>2/12/2018</a:t>
             </a:fld>
             <a:endParaRPr lang="en-US" dirty="0"/>
           </a:p>
@@ -4307,7 +4307,7 @@
           <a:p>
             <a:fld id="{FFBCF493-80D5-4007-BF3A-AD05581D7070}" type="datetime1">
               <a:rPr lang="en-US" smtClean="0"/>
-              <a:t>2/6/2018</a:t>
+              <a:t>2/12/2018</a:t>
             </a:fld>
             <a:endParaRPr lang="en-US" dirty="0"/>
           </a:p>
@@ -4571,7 +4571,7 @@
           <a:ln/>
           <a:extLst>
             <a:ext uri="{91240B29-F687-4f45-9708-019B960494DF}">
-              <a14:hiddenLine xmlns:a14="http://schemas.microsoft.com/office/drawing/2010/main" xmlns="" w="9525">
+              <a14:hiddenLine xmlns="" xmlns:a14="http://schemas.microsoft.com/office/drawing/2010/main" w="9525">
                 <a:solidFill>
                   <a:srgbClr val="000000"/>
                 </a:solidFill>
@@ -4770,7 +4770,7 @@
           <a:p>
             <a:fld id="{1A018D2C-1EFA-47A3-8F58-068A00DC442D}" type="datetime1">
               <a:rPr lang="en-US" smtClean="0"/>
-              <a:t>2/6/2018</a:t>
+              <a:t>2/12/2018</a:t>
             </a:fld>
             <a:endParaRPr lang="en-US" dirty="0"/>
           </a:p>
@@ -5079,7 +5079,7 @@
           <a:p>
             <a:fld id="{D11880D2-A2C3-4B9F-B414-77EED096AA8E}" type="datetime1">
               <a:rPr lang="en-US" smtClean="0"/>
-              <a:t>2/6/2018</a:t>
+              <a:t>2/12/2018</a:t>
             </a:fld>
             <a:endParaRPr lang="en-US" dirty="0"/>
           </a:p>
@@ -5345,7 +5345,7 @@
           <a:p>
             <a:fld id="{5E49406B-EF46-4E55-9D8B-D0577C078350}" type="datetime1">
               <a:rPr lang="en-US" smtClean="0"/>
-              <a:t>2/6/2018</a:t>
+              <a:t>2/12/2018</a:t>
             </a:fld>
             <a:endParaRPr lang="en-US" dirty="0"/>
           </a:p>
@@ -6179,7 +6179,7 @@
           <a:p>
             <a:r>
               <a:rPr lang="fr-FR" dirty="0"/>
-              <a:t>Structure du programme principale</a:t>
+              <a:t>Structure du programme principaux</a:t>
             </a:r>
           </a:p>
           <a:p>
@@ -7732,7 +7732,15 @@
             </a:r>
             <a:r>
               <a:rPr lang="en-US" b="1" dirty="0"/>
-              <a:t> utilizer (TCP UDP etc.)</a:t>
+              <a:t> </a:t>
+            </a:r>
+            <a:r>
+              <a:rPr lang="en-US" b="1" dirty="0" err="1"/>
+              <a:t>utiliser</a:t>
+            </a:r>
+            <a:r>
+              <a:rPr lang="en-US" b="1" dirty="0"/>
+              <a:t> (TCP UDP etc.)</a:t>
             </a:r>
           </a:p>
           <a:p>
@@ -7778,7 +7786,15 @@
             </a:r>
             <a:r>
               <a:rPr lang="en-US" b="1" dirty="0"/>
-              <a:t> de Net </a:t>
+              <a:t> de Net (</a:t>
+            </a:r>
+            <a:r>
+              <a:rPr lang="en-US" b="1" dirty="0" err="1"/>
+              <a:t>netif</a:t>
+            </a:r>
+            <a:r>
+              <a:rPr lang="en-US" b="1" dirty="0"/>
+              <a:t>)</a:t>
             </a:r>
           </a:p>
           <a:p>
@@ -7899,8 +7915,13 @@
           <a:p>
             <a:r>
               <a:rPr lang="fr-FR" b="1" dirty="0"/>
-              <a:t>Pour trouver les appareils</a:t>
-            </a:r>
+              <a:t>Pour </a:t>
+            </a:r>
+            <a:r>
+              <a:rPr lang="fr-FR" b="1"/>
+              <a:t>identifier l’appareil</a:t>
+            </a:r>
+            <a:endParaRPr lang="fr-FR" b="1" dirty="0"/>
           </a:p>
           <a:p>
             <a:r>
